--- a/experimental/adaptive-dialog/2020 Feb MVP.pptx
+++ b/experimental/adaptive-dialog/2020 Feb MVP.pptx
@@ -6683,29 +6683,20 @@
           <a:p>
             <a:r>
               <a:rPr lang="en-US" dirty="0">
-                <a:hlinkClick r:id="rId2"/>
+                <a:hlinkClick r:id="rId3"/>
               </a:rPr>
               <a:t>Overview</a:t>
             </a:r>
             <a:endParaRPr lang="en-US" dirty="0">
-              <a:hlinkClick r:id="rId3"/>
+              <a:hlinkClick r:id="rId4"/>
             </a:endParaRPr>
-          </a:p>
-          <a:p>
-            <a:r>
-              <a:rPr lang="en-US" dirty="0">
-                <a:hlinkClick r:id="rId3"/>
-              </a:rPr>
-              <a:t>Documentation</a:t>
-            </a:r>
-            <a:endParaRPr lang="en-US" dirty="0"/>
           </a:p>
           <a:p>
             <a:r>
               <a:rPr lang="en-US" dirty="0">
                 <a:hlinkClick r:id="rId4"/>
               </a:rPr>
-              <a:t>Templates</a:t>
+              <a:t>Documentation</a:t>
             </a:r>
             <a:endParaRPr lang="en-US" dirty="0"/>
           </a:p>
@@ -6713,6 +6704,15 @@
             <a:r>
               <a:rPr lang="en-US" dirty="0">
                 <a:hlinkClick r:id="rId5"/>
+              </a:rPr>
+              <a:t>Templates</a:t>
+            </a:r>
+            <a:endParaRPr lang="en-US" dirty="0"/>
+          </a:p>
+          <a:p>
+            <a:r>
+              <a:rPr lang="en-US" dirty="0">
+                <a:hlinkClick r:id="rId6"/>
               </a:rPr>
               <a:t>Source</a:t>
             </a:r>
